--- a/doc/Design.pptx
+++ b/doc/Design.pptx
@@ -207,7 +207,7 @@
             <a:fld id="{90EF70D0-ABC5-42FB-A680-563792D4BCC2}" type="datetimeFigureOut">
               <a:rPr lang="en-US" smtClean="0"/>
               <a:pPr/>
-              <a:t>4/29/2015</a:t>
+              <a:t>4/29/15</a:t>
             </a:fld>
             <a:endParaRPr lang="en-US"/>
           </a:p>
@@ -376,6 +376,11 @@
         </p:txBody>
       </p:sp>
     </p:spTree>
+    <p:extLst>
+      <p:ext uri="{BB962C8B-B14F-4D97-AF65-F5344CB8AC3E}">
+        <p14:creationId xmlns:p14="http://schemas.microsoft.com/office/powerpoint/2010/main" val="927209169"/>
+      </p:ext>
+    </p:extLst>
   </p:cSld>
   <p:clrMap bg1="lt1" tx1="dk1" bg2="lt2" tx2="dk2" accent1="accent1" accent2="accent2" accent3="accent3" accent4="accent4" accent5="accent5" accent6="accent6" hlink="hlink" folHlink="folHlink"/>
   <p:notesStyle>
@@ -839,7 +844,7 @@
             <a:fld id="{1D8BD707-D9CF-40AE-B4C6-C98DA3205C09}" type="datetimeFigureOut">
               <a:rPr lang="en-US" smtClean="0"/>
               <a:pPr/>
-              <a:t>4/29/2015</a:t>
+              <a:t>4/29/15</a:t>
             </a:fld>
             <a:endParaRPr lang="en-US"/>
           </a:p>
@@ -1006,7 +1011,7 @@
             <a:fld id="{1D8BD707-D9CF-40AE-B4C6-C98DA3205C09}" type="datetimeFigureOut">
               <a:rPr lang="en-US" smtClean="0"/>
               <a:pPr/>
-              <a:t>4/29/2015</a:t>
+              <a:t>4/29/15</a:t>
             </a:fld>
             <a:endParaRPr lang="en-US"/>
           </a:p>
@@ -1183,7 +1188,7 @@
             <a:fld id="{1D8BD707-D9CF-40AE-B4C6-C98DA3205C09}" type="datetimeFigureOut">
               <a:rPr lang="en-US" smtClean="0"/>
               <a:pPr/>
-              <a:t>4/29/2015</a:t>
+              <a:t>4/29/15</a:t>
             </a:fld>
             <a:endParaRPr lang="en-US"/>
           </a:p>
@@ -1350,7 +1355,7 @@
             <a:fld id="{1D8BD707-D9CF-40AE-B4C6-C98DA3205C09}" type="datetimeFigureOut">
               <a:rPr lang="en-US" smtClean="0"/>
               <a:pPr/>
-              <a:t>4/29/2015</a:t>
+              <a:t>4/29/15</a:t>
             </a:fld>
             <a:endParaRPr lang="en-US"/>
           </a:p>
@@ -1593,7 +1598,7 @@
             <a:fld id="{1D8BD707-D9CF-40AE-B4C6-C98DA3205C09}" type="datetimeFigureOut">
               <a:rPr lang="en-US" smtClean="0"/>
               <a:pPr/>
-              <a:t>4/29/2015</a:t>
+              <a:t>4/29/15</a:t>
             </a:fld>
             <a:endParaRPr lang="en-US"/>
           </a:p>
@@ -1878,7 +1883,7 @@
             <a:fld id="{1D8BD707-D9CF-40AE-B4C6-C98DA3205C09}" type="datetimeFigureOut">
               <a:rPr lang="en-US" smtClean="0"/>
               <a:pPr/>
-              <a:t>4/29/2015</a:t>
+              <a:t>4/29/15</a:t>
             </a:fld>
             <a:endParaRPr lang="en-US"/>
           </a:p>
@@ -2297,7 +2302,7 @@
             <a:fld id="{1D8BD707-D9CF-40AE-B4C6-C98DA3205C09}" type="datetimeFigureOut">
               <a:rPr lang="en-US" smtClean="0"/>
               <a:pPr/>
-              <a:t>4/29/2015</a:t>
+              <a:t>4/29/15</a:t>
             </a:fld>
             <a:endParaRPr lang="en-US"/>
           </a:p>
@@ -2412,7 +2417,7 @@
             <a:fld id="{1D8BD707-D9CF-40AE-B4C6-C98DA3205C09}" type="datetimeFigureOut">
               <a:rPr lang="en-US" smtClean="0"/>
               <a:pPr/>
-              <a:t>4/29/2015</a:t>
+              <a:t>4/29/15</a:t>
             </a:fld>
             <a:endParaRPr lang="en-US"/>
           </a:p>
@@ -2504,7 +2509,7 @@
             <a:fld id="{1D8BD707-D9CF-40AE-B4C6-C98DA3205C09}" type="datetimeFigureOut">
               <a:rPr lang="en-US" smtClean="0"/>
               <a:pPr/>
-              <a:t>4/29/2015</a:t>
+              <a:t>4/29/15</a:t>
             </a:fld>
             <a:endParaRPr lang="en-US"/>
           </a:p>
@@ -2778,7 +2783,7 @@
             <a:fld id="{1D8BD707-D9CF-40AE-B4C6-C98DA3205C09}" type="datetimeFigureOut">
               <a:rPr lang="en-US" smtClean="0"/>
               <a:pPr/>
-              <a:t>4/29/2015</a:t>
+              <a:t>4/29/15</a:t>
             </a:fld>
             <a:endParaRPr lang="en-US"/>
           </a:p>
@@ -3028,7 +3033,7 @@
             <a:fld id="{1D8BD707-D9CF-40AE-B4C6-C98DA3205C09}" type="datetimeFigureOut">
               <a:rPr lang="en-US" smtClean="0"/>
               <a:pPr/>
-              <a:t>4/29/2015</a:t>
+              <a:t>4/29/15</a:t>
             </a:fld>
             <a:endParaRPr lang="en-US"/>
           </a:p>
@@ -3238,7 +3243,7 @@
             <a:fld id="{1D8BD707-D9CF-40AE-B4C6-C98DA3205C09}" type="datetimeFigureOut">
               <a:rPr lang="en-US" smtClean="0"/>
               <a:pPr/>
-              <a:t>4/29/2015</a:t>
+              <a:t>4/29/15</a:t>
             </a:fld>
             <a:endParaRPr lang="en-US"/>
           </a:p>
@@ -4028,21 +4033,13 @@
           <a:p>
             <a:r>
               <a:rPr lang="en-US" dirty="0" smtClean="0"/>
-              <a:t>By default, ANTLR generates a parse-tree listener interface that responds to events triggered by the built-in tree walker. </a:t>
-            </a:r>
-            <a:r>
-              <a:rPr lang="en-US" dirty="0" smtClean="0"/>
-              <a:t>.</a:t>
-            </a:r>
-          </a:p>
-          <a:p>
-            <a:r>
-              <a:rPr lang="en-US" dirty="0" smtClean="0"/>
-              <a:t>To </a:t>
-            </a:r>
-            <a:r>
-              <a:rPr lang="en-US" dirty="0" smtClean="0"/>
-              <a:t>walk a tree and trigger calls into a listener, ANTLR’s runtime provides the class </a:t>
+              <a:t>By default, ANTLR generates a parse-tree listener interface that responds to events triggered by the built-in tree walker. .</a:t>
+            </a:r>
+          </a:p>
+          <a:p>
+            <a:r>
+              <a:rPr lang="en-US" dirty="0" smtClean="0"/>
+              <a:t>To walk a tree and trigger calls into a listener, ANTLR’s runtime provides the class </a:t>
             </a:r>
             <a:r>
               <a:rPr lang="en-US" dirty="0" err="1" smtClean="0"/>
@@ -4052,16 +4049,11 @@
               <a:rPr lang="en-US" dirty="0" smtClean="0"/>
               <a:t>. </a:t>
             </a:r>
-            <a:endParaRPr lang="en-US" dirty="0" smtClean="0"/>
-          </a:p>
-          <a:p>
-            <a:r>
-              <a:rPr lang="en-US" dirty="0" smtClean="0"/>
-              <a:t>To </a:t>
-            </a:r>
-            <a:r>
-              <a:rPr lang="en-US" dirty="0" smtClean="0"/>
-              <a:t>make a language application, we write a </a:t>
+          </a:p>
+          <a:p>
+            <a:r>
+              <a:rPr lang="en-US" dirty="0" smtClean="0"/>
+              <a:t>To make a language application, we write a </a:t>
             </a:r>
             <a:r>
               <a:rPr lang="en-US" dirty="0" err="1" smtClean="0"/>
@@ -4144,20 +4136,11 @@
               <a:rPr lang="en-US" dirty="0" smtClean="0"/>
               <a:t>There are situations, however, where we want to control the walk itself, explicitly calling methods to visit children. </a:t>
             </a:r>
-            <a:endParaRPr lang="en-US" dirty="0" smtClean="0"/>
-          </a:p>
-          <a:p>
-            <a:r>
-              <a:rPr lang="en-US" dirty="0" smtClean="0"/>
-              <a:t>Option </a:t>
-            </a:r>
-            <a:r>
-              <a:rPr lang="en-US" dirty="0" smtClean="0"/>
-              <a:t>-visitor asks ANTLR to generate a visitor interface from a grammar with a visit method per rule</a:t>
-            </a:r>
-            <a:r>
-              <a:rPr lang="en-US" dirty="0" smtClean="0"/>
-              <a:t>.</a:t>
+          </a:p>
+          <a:p>
+            <a:r>
+              <a:rPr lang="en-US" dirty="0" smtClean="0"/>
+              <a:t>Option -visitor asks ANTLR to generate a visitor interface from a grammar with a visit method per rule.</a:t>
             </a:r>
           </a:p>
           <a:p>
@@ -4173,16 +4156,11 @@
               <a:rPr lang="en-US" dirty="0" smtClean="0"/>
               <a:t>, and ANTLR automatically generates it for us. </a:t>
             </a:r>
-            <a:endParaRPr lang="en-US" dirty="0" smtClean="0"/>
-          </a:p>
-          <a:p>
-            <a:r>
-              <a:rPr lang="en-US" dirty="0" smtClean="0"/>
-              <a:t>It </a:t>
-            </a:r>
-            <a:r>
-              <a:rPr lang="en-US" dirty="0" smtClean="0"/>
-              <a:t>defines all of the methods that the class </a:t>
+          </a:p>
+          <a:p>
+            <a:r>
+              <a:rPr lang="en-US" dirty="0" smtClean="0"/>
+              <a:t>It defines all of the methods that the class </a:t>
             </a:r>
             <a:r>
               <a:rPr lang="en-US" dirty="0" err="1" smtClean="0"/>
@@ -4238,7 +4216,11 @@
           <a:p>
             <a:r>
               <a:rPr lang="en-US" dirty="0" smtClean="0"/>
-              <a:t>Virtual Machine - Features</a:t>
+              <a:t>Runtime - </a:t>
+            </a:r>
+            <a:r>
+              <a:rPr lang="en-US" dirty="0" smtClean="0"/>
+              <a:t>Features</a:t>
             </a:r>
             <a:endParaRPr lang="en-US" dirty="0"/>
           </a:p>
@@ -4263,7 +4245,15 @@
           <a:p>
             <a:r>
               <a:rPr lang="en-US" dirty="0" smtClean="0"/>
-              <a:t>RAMM’s VM is completely based on JAVA.</a:t>
+              <a:t>RAMM’s </a:t>
+            </a:r>
+            <a:r>
+              <a:rPr lang="en-US" dirty="0" smtClean="0"/>
+              <a:t>Runtime is </a:t>
+            </a:r>
+            <a:r>
+              <a:rPr lang="en-US" dirty="0" smtClean="0"/>
+              <a:t>completely based on JAVA.</a:t>
             </a:r>
           </a:p>
           <a:p>
@@ -4281,17 +4271,23 @@
           <a:p>
             <a:r>
               <a:rPr lang="en-US" dirty="0" smtClean="0"/>
-              <a:t>It supports the use of data structures like stacks, arrays and linked lists</a:t>
-            </a:r>
-          </a:p>
-          <a:p>
+              <a:t>It internally uses stacks, linked lists and </a:t>
+            </a:r>
+            <a:r>
+              <a:rPr lang="en-US" dirty="0" err="1" smtClean="0"/>
+              <a:t>hashmaps</a:t>
+            </a:r>
             <a:endParaRPr lang="en-US" dirty="0" smtClean="0"/>
           </a:p>
           <a:p>
-            <a:r>
-              <a:rPr lang="en-US" dirty="0" smtClean="0"/>
-              <a:t>During execution, every function call is recorded and maintained on a stack.</a:t>
-            </a:r>
+            <a:endParaRPr lang="en-US" dirty="0" smtClean="0"/>
+          </a:p>
+          <a:p>
+            <a:r>
+              <a:rPr lang="en-US" dirty="0" smtClean="0"/>
+              <a:t>The intermediate code is in prefix notation and the runtime is designed accordingly to process prefix expressions</a:t>
+            </a:r>
+            <a:endParaRPr lang="en-US" dirty="0" smtClean="0"/>
           </a:p>
           <a:p>
             <a:endParaRPr lang="en-US" dirty="0" smtClean="0"/>
@@ -4348,8 +4344,8 @@
           <a:lstStyle/>
           <a:p>
             <a:r>
-              <a:rPr lang="en-US" dirty="0" smtClean="0"/>
-              <a:t>Virtual Machine - Features</a:t>
+              <a:rPr lang="en-US" dirty="0"/>
+              <a:t>Runtime - Features</a:t>
             </a:r>
             <a:endParaRPr lang="en-US" dirty="0"/>
           </a:p>
@@ -4368,16 +4364,28 @@
         <p:spPr/>
         <p:txBody>
           <a:bodyPr>
-            <a:normAutofit lnSpcReduction="10000"/>
+            <a:normAutofit fontScale="92500" lnSpcReduction="10000"/>
           </a:bodyPr>
           <a:lstStyle/>
           <a:p>
             <a:r>
               <a:rPr lang="en-US" dirty="0" smtClean="0"/>
-              <a:t>A symbol table is a data structure used by a compiler where each identifier in a program's source code is associated with information relating to its declaration or appearance in the source, such as its type, scope level and sometimes its location.</a:t>
-            </a:r>
-          </a:p>
-          <a:p>
+              <a:t>A symbol table is a data structure used by a compiler where each identifier in a program's source code is associated with information relating to its declaration or appearance in the source, such as its type, scope level and sometimes its location</a:t>
+            </a:r>
+            <a:r>
+              <a:rPr lang="en-US" dirty="0" smtClean="0"/>
+              <a:t>.</a:t>
+            </a:r>
+          </a:p>
+          <a:p>
+            <a:r>
+              <a:rPr lang="en-US" dirty="0"/>
+              <a:t>During execution, every function call is recorded and maintained on a stack</a:t>
+            </a:r>
+            <a:r>
+              <a:rPr lang="en-US" dirty="0" smtClean="0"/>
+              <a:t>.</a:t>
+            </a:r>
             <a:endParaRPr lang="en-US" dirty="0" smtClean="0"/>
           </a:p>
           <a:p>
@@ -4509,7 +4517,7 @@
           <a:p>
             <a:r>
               <a:rPr lang="en-US" dirty="0" smtClean="0"/>
-              <a:t>Virtual Machine</a:t>
+              <a:t>Runtime</a:t>
             </a:r>
             <a:endParaRPr lang="en-US" dirty="0"/>
           </a:p>
@@ -4676,7 +4684,15 @@
           <a:p>
             <a:r>
               <a:rPr lang="en-US" dirty="0" smtClean="0"/>
-              <a:t>Initial objective - easily covert any algorithm/pseudo code to actual code.</a:t>
+              <a:t>Initial objective - easily </a:t>
+            </a:r>
+            <a:r>
+              <a:rPr lang="en-US" dirty="0" smtClean="0"/>
+              <a:t>convert </a:t>
+            </a:r>
+            <a:r>
+              <a:rPr lang="en-US" dirty="0" smtClean="0"/>
+              <a:t>any algorithm/pseudo code to actual code.</a:t>
             </a:r>
           </a:p>
           <a:p>
@@ -5094,15 +5110,15 @@
           <a:p>
             <a:r>
               <a:rPr lang="en-US" dirty="0" smtClean="0"/>
-              <a:t>Our grammar supports all major </a:t>
-            </a:r>
-            <a:r>
-              <a:rPr lang="en-US" dirty="0" err="1" smtClean="0"/>
-              <a:t>datatypes</a:t>
-            </a:r>
-            <a:r>
-              <a:rPr lang="en-US" dirty="0" smtClean="0"/>
-              <a:t> like </a:t>
+              <a:t>Our grammar supports </a:t>
+            </a:r>
+            <a:r>
+              <a:rPr lang="en-US" dirty="0" smtClean="0"/>
+              <a:t>data types </a:t>
+            </a:r>
+            <a:r>
+              <a:rPr lang="en-US" dirty="0" smtClean="0"/>
+              <a:t>like </a:t>
             </a:r>
             <a:r>
               <a:rPr lang="en-US" dirty="0" err="1" smtClean="0"/>
@@ -5110,46 +5126,59 @@
             </a:r>
             <a:r>
               <a:rPr lang="en-US" dirty="0" smtClean="0"/>
-              <a:t> and integer.</a:t>
-            </a:r>
-          </a:p>
-          <a:p>
-            <a:r>
-              <a:rPr lang="en-US" dirty="0" smtClean="0"/>
-              <a:t>Data structures supported include lists and stacks.</a:t>
-            </a:r>
-          </a:p>
-          <a:p>
-            <a:r>
-              <a:rPr lang="en-US" dirty="0" smtClean="0"/>
-              <a:t>Looping </a:t>
-            </a:r>
-            <a:r>
-              <a:rPr lang="en-US" dirty="0" err="1" smtClean="0"/>
-              <a:t>constrsucts</a:t>
-            </a:r>
-            <a:r>
-              <a:rPr lang="en-US" dirty="0" smtClean="0"/>
-              <a:t> supported include if, while and for.</a:t>
-            </a:r>
-          </a:p>
-          <a:p>
-            <a:r>
-              <a:rPr lang="en-US" dirty="0" smtClean="0"/>
-              <a:t>Can handle math operators like +, -, *, /, %, ^, and !</a:t>
-            </a:r>
-          </a:p>
-          <a:p>
-            <a:r>
-              <a:rPr lang="en-US" dirty="0" smtClean="0"/>
-              <a:t>Handles all relational operators like &lt;, &lt;=, &gt;, &gt;=, ==, !=</a:t>
-            </a:r>
-          </a:p>
-          <a:p>
-            <a:r>
-              <a:rPr lang="en-US" dirty="0" smtClean="0"/>
-              <a:t>Also supports bitwise and ternary operators. </a:t>
-            </a:r>
+              <a:t> and </a:t>
+            </a:r>
+            <a:r>
+              <a:rPr lang="en-US" dirty="0" smtClean="0"/>
+              <a:t>number.</a:t>
+            </a:r>
+            <a:endParaRPr lang="en-US" dirty="0" smtClean="0"/>
+          </a:p>
+          <a:p>
+            <a:r>
+              <a:rPr lang="en-US" dirty="0" smtClean="0"/>
+              <a:t>Data structures supported include </a:t>
+            </a:r>
+            <a:r>
+              <a:rPr lang="en-US" dirty="0" smtClean="0"/>
+              <a:t>lists.</a:t>
+            </a:r>
+          </a:p>
+          <a:p>
+            <a:r>
+              <a:rPr lang="en-US" dirty="0" smtClean="0"/>
+              <a:t>Control constructs provided are – if and while</a:t>
+            </a:r>
+            <a:endParaRPr lang="en-US" dirty="0" smtClean="0"/>
+          </a:p>
+          <a:p>
+            <a:r>
+              <a:rPr lang="en-US" dirty="0" smtClean="0"/>
+              <a:t>Can </a:t>
+            </a:r>
+            <a:r>
+              <a:rPr lang="en-US" dirty="0" smtClean="0"/>
+              <a:t>handle math operators like +, -, *, /, </a:t>
+            </a:r>
+            <a:r>
+              <a:rPr lang="en-US" dirty="0" smtClean="0"/>
+              <a:t>% </a:t>
+            </a:r>
+          </a:p>
+          <a:p>
+            <a:r>
+              <a:rPr lang="en-US" dirty="0" smtClean="0"/>
+              <a:t>Handles relational </a:t>
+            </a:r>
+            <a:r>
+              <a:rPr lang="en-US" dirty="0" smtClean="0"/>
+              <a:t>operators like &lt;, &lt;=, &gt;, &gt;=, ==, !</a:t>
+            </a:r>
+            <a:r>
+              <a:rPr lang="en-US" dirty="0" smtClean="0"/>
+              <a:t>=</a:t>
+            </a:r>
+            <a:endParaRPr lang="en-US" dirty="0" smtClean="0"/>
           </a:p>
         </p:txBody>
       </p:sp>

--- a/doc/Design.pptx
+++ b/doc/Design.pptx
@@ -5,7 +5,7 @@
     <p:sldMasterId id="2147483648" r:id="rId1"/>
   </p:sldMasterIdLst>
   <p:notesMasterIdLst>
-    <p:notesMasterId r:id="rId17"/>
+    <p:notesMasterId r:id="rId11"/>
   </p:notesMasterIdLst>
   <p:sldIdLst>
     <p:sldId id="257" r:id="rId2"/>
@@ -15,14 +15,8 @@
     <p:sldId id="262" r:id="rId6"/>
     <p:sldId id="261" r:id="rId7"/>
     <p:sldId id="263" r:id="rId8"/>
-    <p:sldId id="264" r:id="rId9"/>
-    <p:sldId id="265" r:id="rId10"/>
-    <p:sldId id="266" r:id="rId11"/>
-    <p:sldId id="267" r:id="rId12"/>
-    <p:sldId id="270" r:id="rId13"/>
-    <p:sldId id="271" r:id="rId14"/>
-    <p:sldId id="268" r:id="rId15"/>
-    <p:sldId id="269" r:id="rId16"/>
+    <p:sldId id="268" r:id="rId9"/>
+    <p:sldId id="269" r:id="rId10"/>
   </p:sldIdLst>
   <p:sldSz cx="9144000" cy="6858000" type="screen4x3"/>
   <p:notesSz cx="6858000" cy="9144000"/>
@@ -555,100 +549,6 @@
               <a:rPr lang="en-US" smtClean="0"/>
               <a:pPr/>
               <a:t>3</a:t>
-            </a:fld>
-            <a:endParaRPr lang="en-US"/>
-          </a:p>
-        </p:txBody>
-      </p:sp>
-    </p:spTree>
-  </p:cSld>
-  <p:clrMapOvr>
-    <a:masterClrMapping/>
-  </p:clrMapOvr>
-</p:notes>
-</file>
-
-<file path=ppt/notesSlides/notesSlide2.xml><?xml version="1.0" encoding="utf-8"?>
-<p:notes xmlns:a="http://schemas.openxmlformats.org/drawingml/2006/main" xmlns:r="http://schemas.openxmlformats.org/officeDocument/2006/relationships" xmlns:p="http://schemas.openxmlformats.org/presentationml/2006/main">
-  <p:cSld>
-    <p:spTree>
-      <p:nvGrpSpPr>
-        <p:cNvPr id="1" name=""/>
-        <p:cNvGrpSpPr/>
-        <p:nvPr/>
-      </p:nvGrpSpPr>
-      <p:grpSpPr>
-        <a:xfrm>
-          <a:off x="0" y="0"/>
-          <a:ext cx="0" cy="0"/>
-          <a:chOff x="0" y="0"/>
-          <a:chExt cx="0" cy="0"/>
-        </a:xfrm>
-      </p:grpSpPr>
-      <p:sp>
-        <p:nvSpPr>
-          <p:cNvPr id="2" name="Slide Image Placeholder 1"/>
-          <p:cNvSpPr>
-            <a:spLocks noGrp="1" noRot="1" noChangeAspect="1"/>
-          </p:cNvSpPr>
-          <p:nvPr>
-            <p:ph type="sldImg"/>
-          </p:nvPr>
-        </p:nvSpPr>
-        <p:spPr/>
-      </p:sp>
-      <p:sp>
-        <p:nvSpPr>
-          <p:cNvPr id="3" name="Notes Placeholder 2"/>
-          <p:cNvSpPr>
-            <a:spLocks noGrp="1"/>
-          </p:cNvSpPr>
-          <p:nvPr>
-            <p:ph type="body" idx="1"/>
-          </p:nvPr>
-        </p:nvSpPr>
-        <p:spPr/>
-        <p:txBody>
-          <a:bodyPr>
-            <a:normAutofit/>
-          </a:bodyPr>
-          <a:lstStyle/>
-          <a:p>
-            <a:r>
-              <a:rPr lang="en-US" dirty="0" smtClean="0"/>
-              <a:t>Both are generated by</a:t>
-            </a:r>
-            <a:r>
-              <a:rPr lang="en-US" baseline="0" dirty="0" smtClean="0"/>
-              <a:t> ANTLR  and both support the Array </a:t>
-            </a:r>
-            <a:r>
-              <a:rPr lang="en-US" baseline="0" dirty="0" err="1" smtClean="0"/>
-              <a:t>datatype</a:t>
-            </a:r>
-            <a:endParaRPr lang="en-US" dirty="0"/>
-          </a:p>
-        </p:txBody>
-      </p:sp>
-      <p:sp>
-        <p:nvSpPr>
-          <p:cNvPr id="4" name="Slide Number Placeholder 3"/>
-          <p:cNvSpPr>
-            <a:spLocks noGrp="1"/>
-          </p:cNvSpPr>
-          <p:nvPr>
-            <p:ph type="sldNum" sz="quarter" idx="10"/>
-          </p:nvPr>
-        </p:nvSpPr>
-        <p:spPr/>
-        <p:txBody>
-          <a:bodyPr/>
-          <a:lstStyle/>
-          <a:p>
-            <a:fld id="{F328E7F9-0797-48F6-9927-148712609454}" type="slidenum">
-              <a:rPr lang="en-US" smtClean="0"/>
-              <a:pPr/>
-              <a:t>8</a:t>
             </a:fld>
             <a:endParaRPr lang="en-US"/>
           </a:p>
@@ -3799,612 +3699,6 @@
 </p:sld>
 </file>
 
-<file path=ppt/slides/slide10.xml><?xml version="1.0" encoding="utf-8"?>
-<p:sld xmlns:a="http://schemas.openxmlformats.org/drawingml/2006/main" xmlns:r="http://schemas.openxmlformats.org/officeDocument/2006/relationships" xmlns:p="http://schemas.openxmlformats.org/presentationml/2006/main">
-  <p:cSld>
-    <p:spTree>
-      <p:nvGrpSpPr>
-        <p:cNvPr id="1" name=""/>
-        <p:cNvGrpSpPr/>
-        <p:nvPr/>
-      </p:nvGrpSpPr>
-      <p:grpSpPr>
-        <a:xfrm>
-          <a:off x="0" y="0"/>
-          <a:ext cx="0" cy="0"/>
-          <a:chOff x="0" y="0"/>
-          <a:chExt cx="0" cy="0"/>
-        </a:xfrm>
-      </p:grpSpPr>
-      <p:sp>
-        <p:nvSpPr>
-          <p:cNvPr id="2" name="Title 1"/>
-          <p:cNvSpPr>
-            <a:spLocks noGrp="1"/>
-          </p:cNvSpPr>
-          <p:nvPr>
-            <p:ph type="title"/>
-          </p:nvPr>
-        </p:nvSpPr>
-        <p:spPr/>
-        <p:txBody>
-          <a:bodyPr/>
-          <a:lstStyle/>
-          <a:p>
-            <a:r>
-              <a:rPr lang="en-US" dirty="0" smtClean="0"/>
-              <a:t>Abstract syntax tree</a:t>
-            </a:r>
-            <a:endParaRPr lang="en-US" dirty="0"/>
-          </a:p>
-        </p:txBody>
-      </p:sp>
-      <p:sp>
-        <p:nvSpPr>
-          <p:cNvPr id="3" name="Content Placeholder 2"/>
-          <p:cNvSpPr>
-            <a:spLocks noGrp="1"/>
-          </p:cNvSpPr>
-          <p:nvPr>
-            <p:ph idx="1"/>
-          </p:nvPr>
-        </p:nvSpPr>
-        <p:spPr/>
-        <p:txBody>
-          <a:bodyPr/>
-          <a:lstStyle/>
-          <a:p>
-            <a:endParaRPr lang="en-US" dirty="0" smtClean="0"/>
-          </a:p>
-          <a:p>
-            <a:endParaRPr lang="en-US" dirty="0" smtClean="0"/>
-          </a:p>
-          <a:p>
-            <a:endParaRPr lang="en-US" dirty="0" smtClean="0"/>
-          </a:p>
-          <a:p>
-            <a:endParaRPr lang="en-US" dirty="0" smtClean="0"/>
-          </a:p>
-          <a:p>
-            <a:endParaRPr lang="en-US" dirty="0" smtClean="0"/>
-          </a:p>
-        </p:txBody>
-      </p:sp>
-    </p:spTree>
-  </p:cSld>
-  <p:clrMapOvr>
-    <a:masterClrMapping/>
-  </p:clrMapOvr>
-</p:sld>
-</file>
-
-<file path=ppt/slides/slide11.xml><?xml version="1.0" encoding="utf-8"?>
-<p:sld xmlns:a="http://schemas.openxmlformats.org/drawingml/2006/main" xmlns:r="http://schemas.openxmlformats.org/officeDocument/2006/relationships" xmlns:p="http://schemas.openxmlformats.org/presentationml/2006/main">
-  <p:cSld>
-    <p:spTree>
-      <p:nvGrpSpPr>
-        <p:cNvPr id="1" name=""/>
-        <p:cNvGrpSpPr/>
-        <p:nvPr/>
-      </p:nvGrpSpPr>
-      <p:grpSpPr>
-        <a:xfrm>
-          <a:off x="0" y="0"/>
-          <a:ext cx="0" cy="0"/>
-          <a:chOff x="0" y="0"/>
-          <a:chExt cx="0" cy="0"/>
-        </a:xfrm>
-      </p:grpSpPr>
-      <p:sp>
-        <p:nvSpPr>
-          <p:cNvPr id="2" name="Title 1"/>
-          <p:cNvSpPr>
-            <a:spLocks noGrp="1"/>
-          </p:cNvSpPr>
-          <p:nvPr>
-            <p:ph type="title"/>
-          </p:nvPr>
-        </p:nvSpPr>
-        <p:spPr/>
-        <p:txBody>
-          <a:bodyPr/>
-          <a:lstStyle/>
-          <a:p>
-            <a:r>
-              <a:rPr lang="en-US" dirty="0" smtClean="0"/>
-              <a:t>Abstract syntax tree</a:t>
-            </a:r>
-            <a:endParaRPr lang="en-US" dirty="0"/>
-          </a:p>
-        </p:txBody>
-      </p:sp>
-      <p:sp>
-        <p:nvSpPr>
-          <p:cNvPr id="3" name="Content Placeholder 2"/>
-          <p:cNvSpPr>
-            <a:spLocks noGrp="1"/>
-          </p:cNvSpPr>
-          <p:nvPr>
-            <p:ph idx="1"/>
-          </p:nvPr>
-        </p:nvSpPr>
-        <p:spPr/>
-        <p:txBody>
-          <a:bodyPr>
-            <a:normAutofit fontScale="92500" lnSpcReduction="20000"/>
-          </a:bodyPr>
-          <a:lstStyle/>
-          <a:p>
-            <a:r>
-              <a:rPr lang="en-US" dirty="0" smtClean="0"/>
-              <a:t>Using this tree, our next goal is to reach/ walk to each individual node programmatically and generate the intermediate byte code.</a:t>
-            </a:r>
-          </a:p>
-          <a:p>
-            <a:endParaRPr lang="en-US" dirty="0" smtClean="0"/>
-          </a:p>
-          <a:p>
-            <a:r>
-              <a:rPr lang="en-US" dirty="0" smtClean="0"/>
-              <a:t>Made use of an inbuilt data type in ANTLR called </a:t>
-            </a:r>
-            <a:r>
-              <a:rPr lang="en-US" dirty="0" err="1" smtClean="0"/>
-              <a:t>ParseTree</a:t>
-            </a:r>
-            <a:r>
-              <a:rPr lang="en-US" dirty="0" smtClean="0"/>
-              <a:t> to parse each individual leaf/ non-leaf element.</a:t>
-            </a:r>
-          </a:p>
-          <a:p>
-            <a:endParaRPr lang="en-US" dirty="0" smtClean="0"/>
-          </a:p>
-          <a:p>
-            <a:r>
-              <a:rPr lang="en-US" dirty="0" smtClean="0"/>
-              <a:t>Once every element was parsed, we created the intermediate byte code, which was then fed to the VM for execution.</a:t>
-            </a:r>
-          </a:p>
-        </p:txBody>
-      </p:sp>
-    </p:spTree>
-  </p:cSld>
-  <p:clrMapOvr>
-    <a:masterClrMapping/>
-  </p:clrMapOvr>
-</p:sld>
-</file>
-
-<file path=ppt/slides/slide12.xml><?xml version="1.0" encoding="utf-8"?>
-<p:sld xmlns:a="http://schemas.openxmlformats.org/drawingml/2006/main" xmlns:r="http://schemas.openxmlformats.org/officeDocument/2006/relationships" xmlns:p="http://schemas.openxmlformats.org/presentationml/2006/main">
-  <p:cSld>
-    <p:spTree>
-      <p:nvGrpSpPr>
-        <p:cNvPr id="1" name=""/>
-        <p:cNvGrpSpPr/>
-        <p:nvPr/>
-      </p:nvGrpSpPr>
-      <p:grpSpPr>
-        <a:xfrm>
-          <a:off x="0" y="0"/>
-          <a:ext cx="0" cy="0"/>
-          <a:chOff x="0" y="0"/>
-          <a:chExt cx="0" cy="0"/>
-        </a:xfrm>
-      </p:grpSpPr>
-      <p:sp>
-        <p:nvSpPr>
-          <p:cNvPr id="2" name="Title 1"/>
-          <p:cNvSpPr>
-            <a:spLocks noGrp="1"/>
-          </p:cNvSpPr>
-          <p:nvPr>
-            <p:ph type="title"/>
-          </p:nvPr>
-        </p:nvSpPr>
-        <p:spPr/>
-        <p:txBody>
-          <a:bodyPr/>
-          <a:lstStyle/>
-          <a:p>
-            <a:r>
-              <a:rPr lang="en-US" dirty="0" smtClean="0"/>
-              <a:t>Abstract syntax tree</a:t>
-            </a:r>
-            <a:endParaRPr lang="en-US" dirty="0"/>
-          </a:p>
-        </p:txBody>
-      </p:sp>
-      <p:sp>
-        <p:nvSpPr>
-          <p:cNvPr id="3" name="Content Placeholder 2"/>
-          <p:cNvSpPr>
-            <a:spLocks noGrp="1"/>
-          </p:cNvSpPr>
-          <p:nvPr>
-            <p:ph idx="1"/>
-          </p:nvPr>
-        </p:nvSpPr>
-        <p:spPr/>
-        <p:txBody>
-          <a:bodyPr/>
-          <a:lstStyle/>
-          <a:p>
-            <a:r>
-              <a:rPr lang="en-US" dirty="0" smtClean="0"/>
-              <a:t>By default, ANTLR generates a parse-tree listener interface that responds to events triggered by the built-in tree walker. .</a:t>
-            </a:r>
-          </a:p>
-          <a:p>
-            <a:r>
-              <a:rPr lang="en-US" dirty="0" smtClean="0"/>
-              <a:t>To walk a tree and trigger calls into a listener, ANTLR’s runtime provides the class </a:t>
-            </a:r>
-            <a:r>
-              <a:rPr lang="en-US" dirty="0" err="1" smtClean="0"/>
-              <a:t>ParseTreeWalker</a:t>
-            </a:r>
-            <a:r>
-              <a:rPr lang="en-US" dirty="0" smtClean="0"/>
-              <a:t>. </a:t>
-            </a:r>
-          </a:p>
-          <a:p>
-            <a:r>
-              <a:rPr lang="en-US" dirty="0" smtClean="0"/>
-              <a:t>To make a language application, we write a </a:t>
-            </a:r>
-            <a:r>
-              <a:rPr lang="en-US" dirty="0" err="1" smtClean="0"/>
-              <a:t>ParseTreeListener</a:t>
-            </a:r>
-            <a:r>
-              <a:rPr lang="en-US" dirty="0" smtClean="0"/>
-              <a:t>.</a:t>
-            </a:r>
-            <a:endParaRPr lang="en-US" dirty="0"/>
-          </a:p>
-        </p:txBody>
-      </p:sp>
-    </p:spTree>
-  </p:cSld>
-  <p:clrMapOvr>
-    <a:masterClrMapping/>
-  </p:clrMapOvr>
-</p:sld>
-</file>
-
-<file path=ppt/slides/slide13.xml><?xml version="1.0" encoding="utf-8"?>
-<p:sld xmlns:a="http://schemas.openxmlformats.org/drawingml/2006/main" xmlns:r="http://schemas.openxmlformats.org/officeDocument/2006/relationships" xmlns:p="http://schemas.openxmlformats.org/presentationml/2006/main">
-  <p:cSld>
-    <p:spTree>
-      <p:nvGrpSpPr>
-        <p:cNvPr id="1" name=""/>
-        <p:cNvGrpSpPr/>
-        <p:nvPr/>
-      </p:nvGrpSpPr>
-      <p:grpSpPr>
-        <a:xfrm>
-          <a:off x="0" y="0"/>
-          <a:ext cx="0" cy="0"/>
-          <a:chOff x="0" y="0"/>
-          <a:chExt cx="0" cy="0"/>
-        </a:xfrm>
-      </p:grpSpPr>
-      <p:sp>
-        <p:nvSpPr>
-          <p:cNvPr id="2" name="Title 1"/>
-          <p:cNvSpPr>
-            <a:spLocks noGrp="1"/>
-          </p:cNvSpPr>
-          <p:nvPr>
-            <p:ph type="title"/>
-          </p:nvPr>
-        </p:nvSpPr>
-        <p:spPr/>
-        <p:txBody>
-          <a:bodyPr/>
-          <a:lstStyle/>
-          <a:p>
-            <a:r>
-              <a:rPr lang="en-US" dirty="0" smtClean="0"/>
-              <a:t>Abstract syntax tree</a:t>
-            </a:r>
-            <a:endParaRPr lang="en-US" dirty="0"/>
-          </a:p>
-        </p:txBody>
-      </p:sp>
-      <p:sp>
-        <p:nvSpPr>
-          <p:cNvPr id="3" name="Content Placeholder 2"/>
-          <p:cNvSpPr>
-            <a:spLocks noGrp="1"/>
-          </p:cNvSpPr>
-          <p:nvPr>
-            <p:ph idx="1"/>
-          </p:nvPr>
-        </p:nvSpPr>
-        <p:spPr/>
-        <p:txBody>
-          <a:bodyPr>
-            <a:normAutofit fontScale="85000" lnSpcReduction="10000"/>
-          </a:bodyPr>
-          <a:lstStyle/>
-          <a:p>
-            <a:r>
-              <a:rPr lang="en-US" dirty="0" smtClean="0"/>
-              <a:t>There are situations, however, where we want to control the walk itself, explicitly calling methods to visit children. </a:t>
-            </a:r>
-          </a:p>
-          <a:p>
-            <a:r>
-              <a:rPr lang="en-US" dirty="0" smtClean="0"/>
-              <a:t>Option -visitor asks ANTLR to generate a visitor interface from a grammar with a visit method per rule.</a:t>
-            </a:r>
-          </a:p>
-          <a:p>
-            <a:r>
-              <a:rPr lang="en-US" dirty="0" smtClean="0"/>
-              <a:t>The key “interface” between the grammar and our listener object is called </a:t>
-            </a:r>
-            <a:r>
-              <a:rPr lang="en-US" dirty="0" err="1" smtClean="0"/>
-              <a:t>JavaListener</a:t>
-            </a:r>
-            <a:r>
-              <a:rPr lang="en-US" dirty="0" smtClean="0"/>
-              <a:t>, and ANTLR automatically generates it for us. </a:t>
-            </a:r>
-          </a:p>
-          <a:p>
-            <a:r>
-              <a:rPr lang="en-US" dirty="0" smtClean="0"/>
-              <a:t>It defines all of the methods that the class </a:t>
-            </a:r>
-            <a:r>
-              <a:rPr lang="en-US" dirty="0" err="1" smtClean="0"/>
-              <a:t>ParseTreeWalker</a:t>
-            </a:r>
-            <a:r>
-              <a:rPr lang="en-US" dirty="0" smtClean="0"/>
-              <a:t> from ANTLR’s runtime can trigger as it traverses the parse tree</a:t>
-            </a:r>
-            <a:endParaRPr lang="en-US" dirty="0"/>
-          </a:p>
-        </p:txBody>
-      </p:sp>
-    </p:spTree>
-  </p:cSld>
-  <p:clrMapOvr>
-    <a:masterClrMapping/>
-  </p:clrMapOvr>
-</p:sld>
-</file>
-
-<file path=ppt/slides/slide14.xml><?xml version="1.0" encoding="utf-8"?>
-<p:sld xmlns:a="http://schemas.openxmlformats.org/drawingml/2006/main" xmlns:r="http://schemas.openxmlformats.org/officeDocument/2006/relationships" xmlns:p="http://schemas.openxmlformats.org/presentationml/2006/main">
-  <p:cSld>
-    <p:spTree>
-      <p:nvGrpSpPr>
-        <p:cNvPr id="1" name=""/>
-        <p:cNvGrpSpPr/>
-        <p:nvPr/>
-      </p:nvGrpSpPr>
-      <p:grpSpPr>
-        <a:xfrm>
-          <a:off x="0" y="0"/>
-          <a:ext cx="0" cy="0"/>
-          <a:chOff x="0" y="0"/>
-          <a:chExt cx="0" cy="0"/>
-        </a:xfrm>
-      </p:grpSpPr>
-      <p:sp>
-        <p:nvSpPr>
-          <p:cNvPr id="2" name="Title 1"/>
-          <p:cNvSpPr>
-            <a:spLocks noGrp="1"/>
-          </p:cNvSpPr>
-          <p:nvPr>
-            <p:ph type="title"/>
-          </p:nvPr>
-        </p:nvSpPr>
-        <p:spPr/>
-        <p:txBody>
-          <a:bodyPr/>
-          <a:lstStyle/>
-          <a:p>
-            <a:r>
-              <a:rPr lang="en-US" dirty="0" smtClean="0"/>
-              <a:t>Runtime - </a:t>
-            </a:r>
-            <a:r>
-              <a:rPr lang="en-US" dirty="0" smtClean="0"/>
-              <a:t>Features</a:t>
-            </a:r>
-            <a:endParaRPr lang="en-US" dirty="0"/>
-          </a:p>
-        </p:txBody>
-      </p:sp>
-      <p:sp>
-        <p:nvSpPr>
-          <p:cNvPr id="3" name="Content Placeholder 2"/>
-          <p:cNvSpPr>
-            <a:spLocks noGrp="1"/>
-          </p:cNvSpPr>
-          <p:nvPr>
-            <p:ph idx="1"/>
-          </p:nvPr>
-        </p:nvSpPr>
-        <p:spPr/>
-        <p:txBody>
-          <a:bodyPr>
-            <a:normAutofit fontScale="92500" lnSpcReduction="10000"/>
-          </a:bodyPr>
-          <a:lstStyle/>
-          <a:p>
-            <a:r>
-              <a:rPr lang="en-US" dirty="0" smtClean="0"/>
-              <a:t>RAMM’s </a:t>
-            </a:r>
-            <a:r>
-              <a:rPr lang="en-US" dirty="0" smtClean="0"/>
-              <a:t>Runtime is </a:t>
-            </a:r>
-            <a:r>
-              <a:rPr lang="en-US" dirty="0" smtClean="0"/>
-              <a:t>completely based on JAVA.</a:t>
-            </a:r>
-          </a:p>
-          <a:p>
-            <a:endParaRPr lang="en-US" dirty="0" smtClean="0"/>
-          </a:p>
-          <a:p>
-            <a:r>
-              <a:rPr lang="en-US" dirty="0" smtClean="0"/>
-              <a:t>It is dynamically typed.</a:t>
-            </a:r>
-          </a:p>
-          <a:p>
-            <a:endParaRPr lang="en-US" dirty="0" smtClean="0"/>
-          </a:p>
-          <a:p>
-            <a:r>
-              <a:rPr lang="en-US" dirty="0" smtClean="0"/>
-              <a:t>It internally uses stacks, linked lists and </a:t>
-            </a:r>
-            <a:r>
-              <a:rPr lang="en-US" dirty="0" err="1" smtClean="0"/>
-              <a:t>hashmaps</a:t>
-            </a:r>
-            <a:endParaRPr lang="en-US" dirty="0" smtClean="0"/>
-          </a:p>
-          <a:p>
-            <a:endParaRPr lang="en-US" dirty="0" smtClean="0"/>
-          </a:p>
-          <a:p>
-            <a:r>
-              <a:rPr lang="en-US" dirty="0" smtClean="0"/>
-              <a:t>The intermediate code is in prefix notation and the runtime is designed accordingly to process prefix expressions</a:t>
-            </a:r>
-            <a:endParaRPr lang="en-US" dirty="0" smtClean="0"/>
-          </a:p>
-          <a:p>
-            <a:endParaRPr lang="en-US" dirty="0" smtClean="0"/>
-          </a:p>
-          <a:p>
-            <a:endParaRPr lang="en-US" dirty="0" smtClean="0"/>
-          </a:p>
-          <a:p>
-            <a:endParaRPr lang="en-US" dirty="0" smtClean="0"/>
-          </a:p>
-          <a:p>
-            <a:endParaRPr lang="en-US" dirty="0"/>
-          </a:p>
-        </p:txBody>
-      </p:sp>
-    </p:spTree>
-  </p:cSld>
-  <p:clrMapOvr>
-    <a:masterClrMapping/>
-  </p:clrMapOvr>
-</p:sld>
-</file>
-
-<file path=ppt/slides/slide15.xml><?xml version="1.0" encoding="utf-8"?>
-<p:sld xmlns:a="http://schemas.openxmlformats.org/drawingml/2006/main" xmlns:r="http://schemas.openxmlformats.org/officeDocument/2006/relationships" xmlns:p="http://schemas.openxmlformats.org/presentationml/2006/main">
-  <p:cSld>
-    <p:spTree>
-      <p:nvGrpSpPr>
-        <p:cNvPr id="1" name=""/>
-        <p:cNvGrpSpPr/>
-        <p:nvPr/>
-      </p:nvGrpSpPr>
-      <p:grpSpPr>
-        <a:xfrm>
-          <a:off x="0" y="0"/>
-          <a:ext cx="0" cy="0"/>
-          <a:chOff x="0" y="0"/>
-          <a:chExt cx="0" cy="0"/>
-        </a:xfrm>
-      </p:grpSpPr>
-      <p:sp>
-        <p:nvSpPr>
-          <p:cNvPr id="2" name="Title 1"/>
-          <p:cNvSpPr>
-            <a:spLocks noGrp="1"/>
-          </p:cNvSpPr>
-          <p:nvPr>
-            <p:ph type="title"/>
-          </p:nvPr>
-        </p:nvSpPr>
-        <p:spPr/>
-        <p:txBody>
-          <a:bodyPr/>
-          <a:lstStyle/>
-          <a:p>
-            <a:r>
-              <a:rPr lang="en-US" dirty="0"/>
-              <a:t>Runtime - Features</a:t>
-            </a:r>
-            <a:endParaRPr lang="en-US" dirty="0"/>
-          </a:p>
-        </p:txBody>
-      </p:sp>
-      <p:sp>
-        <p:nvSpPr>
-          <p:cNvPr id="3" name="Content Placeholder 2"/>
-          <p:cNvSpPr>
-            <a:spLocks noGrp="1"/>
-          </p:cNvSpPr>
-          <p:nvPr>
-            <p:ph idx="1"/>
-          </p:nvPr>
-        </p:nvSpPr>
-        <p:spPr/>
-        <p:txBody>
-          <a:bodyPr>
-            <a:normAutofit fontScale="92500" lnSpcReduction="10000"/>
-          </a:bodyPr>
-          <a:lstStyle/>
-          <a:p>
-            <a:r>
-              <a:rPr lang="en-US" dirty="0" smtClean="0"/>
-              <a:t>A symbol table is a data structure used by a compiler where each identifier in a program's source code is associated with information relating to its declaration or appearance in the source, such as its type, scope level and sometimes its location</a:t>
-            </a:r>
-            <a:r>
-              <a:rPr lang="en-US" dirty="0" smtClean="0"/>
-              <a:t>.</a:t>
-            </a:r>
-          </a:p>
-          <a:p>
-            <a:r>
-              <a:rPr lang="en-US" dirty="0"/>
-              <a:t>During execution, every function call is recorded and maintained on a stack</a:t>
-            </a:r>
-            <a:r>
-              <a:rPr lang="en-US" dirty="0" smtClean="0"/>
-              <a:t>.</a:t>
-            </a:r>
-            <a:endParaRPr lang="en-US" dirty="0" smtClean="0"/>
-          </a:p>
-          <a:p>
-            <a:r>
-              <a:rPr lang="en-US" dirty="0" smtClean="0"/>
-              <a:t>In RAMM, the symbol table is implemented as a linked list of hash maps.</a:t>
-            </a:r>
-            <a:endParaRPr lang="en-US" dirty="0"/>
-          </a:p>
-        </p:txBody>
-      </p:sp>
-    </p:spTree>
-  </p:cSld>
-  <p:clrMapOvr>
-    <a:masterClrMapping/>
-  </p:clrMapOvr>
-</p:sld>
-</file>
-
 <file path=ppt/slides/slide2.xml><?xml version="1.0" encoding="utf-8"?>
 <p:sld xmlns:a="http://schemas.openxmlformats.org/drawingml/2006/main" xmlns:r="http://schemas.openxmlformats.org/officeDocument/2006/relationships" xmlns:p="http://schemas.openxmlformats.org/presentationml/2006/main">
   <p:cSld>
@@ -4487,29 +3781,7 @@
             </a:r>
           </a:p>
           <a:p>
-            <a:pPr lvl="1"/>
-            <a:r>
-              <a:rPr lang="en-US" dirty="0" err="1" smtClean="0"/>
-              <a:t>Lexer</a:t>
-            </a:r>
-            <a:endParaRPr lang="en-US" dirty="0" smtClean="0"/>
-          </a:p>
-          <a:p>
-            <a:pPr lvl="1"/>
-            <a:r>
-              <a:rPr lang="en-US" dirty="0" smtClean="0"/>
-              <a:t>Parser</a:t>
-            </a:r>
-          </a:p>
-          <a:p>
-            <a:pPr lvl="1"/>
-            <a:r>
-              <a:rPr lang="en-US" dirty="0" smtClean="0"/>
-              <a:t>Abstract Syntax Tree</a:t>
-            </a:r>
-          </a:p>
-          <a:p>
-            <a:pPr lvl="1">
+            <a:pPr marL="457200" lvl="1" indent="0">
               <a:buNone/>
             </a:pPr>
             <a:endParaRPr lang="en-US" dirty="0" smtClean="0"/>
@@ -4684,15 +3956,7 @@
           <a:p>
             <a:r>
               <a:rPr lang="en-US" dirty="0" smtClean="0"/>
-              <a:t>Initial objective - easily </a:t>
-            </a:r>
-            <a:r>
-              <a:rPr lang="en-US" dirty="0" smtClean="0"/>
-              <a:t>convert </a:t>
-            </a:r>
-            <a:r>
-              <a:rPr lang="en-US" dirty="0" smtClean="0"/>
-              <a:t>any algorithm/pseudo code to actual code.</a:t>
+              <a:t>Initial objective - easily convert any algorithm/pseudo code to actual code.</a:t>
             </a:r>
           </a:p>
           <a:p>
@@ -5110,15 +4374,7 @@
           <a:p>
             <a:r>
               <a:rPr lang="en-US" dirty="0" smtClean="0"/>
-              <a:t>Our grammar supports </a:t>
-            </a:r>
-            <a:r>
-              <a:rPr lang="en-US" dirty="0" smtClean="0"/>
-              <a:t>data types </a:t>
-            </a:r>
-            <a:r>
-              <a:rPr lang="en-US" dirty="0" smtClean="0"/>
-              <a:t>like </a:t>
+              <a:t>Our grammar supports data types like </a:t>
             </a:r>
             <a:r>
               <a:rPr lang="en-US" dirty="0" err="1" smtClean="0"/>
@@ -5126,22 +4382,13 @@
             </a:r>
             <a:r>
               <a:rPr lang="en-US" dirty="0" smtClean="0"/>
-              <a:t> and </a:t>
-            </a:r>
-            <a:r>
-              <a:rPr lang="en-US" dirty="0" smtClean="0"/>
-              <a:t>number.</a:t>
-            </a:r>
-            <a:endParaRPr lang="en-US" dirty="0" smtClean="0"/>
-          </a:p>
-          <a:p>
-            <a:r>
-              <a:rPr lang="en-US" dirty="0" smtClean="0"/>
-              <a:t>Data structures supported include </a:t>
-            </a:r>
-            <a:r>
-              <a:rPr lang="en-US" dirty="0" smtClean="0"/>
-              <a:t>lists.</a:t>
+              <a:t> and number.</a:t>
+            </a:r>
+          </a:p>
+          <a:p>
+            <a:r>
+              <a:rPr lang="en-US" dirty="0" smtClean="0"/>
+              <a:t>Data structures supported include lists.</a:t>
             </a:r>
           </a:p>
           <a:p>
@@ -5149,36 +4396,18 @@
               <a:rPr lang="en-US" dirty="0" smtClean="0"/>
               <a:t>Control constructs provided are – if and while</a:t>
             </a:r>
-            <a:endParaRPr lang="en-US" dirty="0" smtClean="0"/>
-          </a:p>
-          <a:p>
-            <a:r>
-              <a:rPr lang="en-US" dirty="0" smtClean="0"/>
-              <a:t>Can </a:t>
-            </a:r>
-            <a:r>
-              <a:rPr lang="en-US" dirty="0" smtClean="0"/>
-              <a:t>handle math operators like +, -, *, /, </a:t>
-            </a:r>
-            <a:r>
-              <a:rPr lang="en-US" dirty="0" smtClean="0"/>
-              <a:t>% </a:t>
-            </a:r>
-          </a:p>
-          <a:p>
-            <a:r>
-              <a:rPr lang="en-US" dirty="0" smtClean="0"/>
-              <a:t>Handles relational </a:t>
-            </a:r>
-            <a:r>
-              <a:rPr lang="en-US" dirty="0" smtClean="0"/>
-              <a:t>operators like &lt;, &lt;=, &gt;, &gt;=, ==, !</a:t>
-            </a:r>
-            <a:r>
-              <a:rPr lang="en-US" dirty="0" smtClean="0"/>
-              <a:t>=</a:t>
-            </a:r>
-            <a:endParaRPr lang="en-US" dirty="0" smtClean="0"/>
+          </a:p>
+          <a:p>
+            <a:r>
+              <a:rPr lang="en-US" dirty="0" smtClean="0"/>
+              <a:t>Can handle math operators like +, -, *, /, % </a:t>
+            </a:r>
+          </a:p>
+          <a:p>
+            <a:r>
+              <a:rPr lang="en-US" dirty="0" smtClean="0"/>
+              <a:t>Handles relational operators like &lt;, &lt;=, &gt;, &gt;=, ==, !=</a:t>
+            </a:r>
           </a:p>
         </p:txBody>
       </p:sp>
@@ -5223,12 +4452,8 @@
           <a:lstStyle/>
           <a:p>
             <a:r>
-              <a:rPr lang="en-US" dirty="0" err="1" smtClean="0"/>
-              <a:t>Lexer</a:t>
-            </a:r>
-            <a:r>
-              <a:rPr lang="en-US" dirty="0" smtClean="0"/>
-              <a:t> and Parser</a:t>
+              <a:rPr lang="en-US" dirty="0" smtClean="0"/>
+              <a:t>Intermediate Code</a:t>
             </a:r>
             <a:endParaRPr lang="en-US" dirty="0"/>
           </a:p>
@@ -5247,39 +4472,17 @@
         <p:spPr/>
         <p:txBody>
           <a:bodyPr>
-            <a:normAutofit lnSpcReduction="10000"/>
+            <a:normAutofit/>
           </a:bodyPr>
           <a:lstStyle/>
           <a:p>
-            <a:r>
-              <a:rPr lang="en-US" dirty="0" smtClean="0"/>
-              <a:t>Lexical analysis is handled by the </a:t>
-            </a:r>
-            <a:r>
-              <a:rPr lang="en-US" dirty="0" err="1" smtClean="0"/>
-              <a:t>Lexer</a:t>
-            </a:r>
-            <a:r>
-              <a:rPr lang="en-US" dirty="0" smtClean="0"/>
-              <a:t>, where it separates a stream of characters into different words or 'tokens‘.</a:t>
-            </a:r>
-          </a:p>
-          <a:p>
             <a:endParaRPr lang="en-US" dirty="0" smtClean="0"/>
           </a:p>
           <a:p>
-            <a:r>
-              <a:rPr lang="en-US" dirty="0" smtClean="0"/>
-              <a:t>Syntactical analysis is handled by the Parser. It receives the tokens/ input from the </a:t>
-            </a:r>
-            <a:r>
-              <a:rPr lang="en-US" dirty="0" err="1" smtClean="0"/>
-              <a:t>Lexer</a:t>
-            </a:r>
-            <a:r>
-              <a:rPr lang="en-US" dirty="0" smtClean="0"/>
-              <a:t> in the form of sequential source program instructions and breaks them up into parts defined in our grammar.</a:t>
-            </a:r>
+            <a:endParaRPr lang="en-US" dirty="0" smtClean="0"/>
+          </a:p>
+          <a:p>
+            <a:endParaRPr lang="en-US" dirty="0" smtClean="0"/>
           </a:p>
           <a:p>
             <a:endParaRPr lang="en-US" dirty="0"/>
@@ -5328,7 +4531,7 @@
           <a:p>
             <a:r>
               <a:rPr lang="en-US" dirty="0" smtClean="0"/>
-              <a:t>Abstract syntax tree</a:t>
+              <a:t>Runtime - Features</a:t>
             </a:r>
             <a:endParaRPr lang="en-US" dirty="0"/>
           </a:p>
@@ -5347,25 +4550,13 @@
         <p:spPr/>
         <p:txBody>
           <a:bodyPr>
-            <a:normAutofit fontScale="92500" lnSpcReduction="20000"/>
+            <a:normAutofit fontScale="92500" lnSpcReduction="10000"/>
           </a:bodyPr>
           <a:lstStyle/>
           <a:p>
             <a:r>
               <a:rPr lang="en-US" dirty="0" smtClean="0"/>
-              <a:t>This is a tree representation of the abstract syntactic structure of source code written in a programming language. </a:t>
-            </a:r>
-          </a:p>
-          <a:p>
-            <a:r>
-              <a:rPr lang="en-US" dirty="0" smtClean="0"/>
-              <a:t>Each node of the tree denotes a construct occurring in the source code. </a:t>
-            </a:r>
-          </a:p>
-          <a:p>
-            <a:r>
-              <a:rPr lang="en-US" dirty="0" smtClean="0"/>
-              <a:t>The syntax is "abstract" in not representing every detail appearing in the real syntax.</a:t>
+              <a:t>RAMM’s Runtime is completely based on JAVA.</a:t>
             </a:r>
           </a:p>
           <a:p>
@@ -5374,13 +4565,52 @@
           <a:p>
             <a:r>
               <a:rPr lang="en-US" dirty="0" smtClean="0"/>
-              <a:t>For our example, the AST would look something like this:</a:t>
-            </a:r>
+              <a:t>It is dynamically typed.</a:t>
+            </a:r>
+          </a:p>
+          <a:p>
+            <a:endParaRPr lang="en-US" dirty="0" smtClean="0"/>
+          </a:p>
+          <a:p>
+            <a:r>
+              <a:rPr lang="en-US" dirty="0" smtClean="0"/>
+              <a:t>It internally uses stacks, linked lists and </a:t>
+            </a:r>
+            <a:r>
+              <a:rPr lang="en-US" dirty="0" err="1" smtClean="0"/>
+              <a:t>hashmaps</a:t>
+            </a:r>
+            <a:endParaRPr lang="en-US" dirty="0" smtClean="0"/>
+          </a:p>
+          <a:p>
+            <a:endParaRPr lang="en-US" dirty="0" smtClean="0"/>
+          </a:p>
+          <a:p>
+            <a:r>
+              <a:rPr lang="en-US" dirty="0" smtClean="0"/>
+              <a:t>The intermediate code is in prefix notation and the runtime is designed accordingly to process prefix expressions</a:t>
+            </a:r>
+          </a:p>
+          <a:p>
+            <a:endParaRPr lang="en-US" dirty="0" smtClean="0"/>
+          </a:p>
+          <a:p>
+            <a:endParaRPr lang="en-US" dirty="0" smtClean="0"/>
+          </a:p>
+          <a:p>
+            <a:endParaRPr lang="en-US" dirty="0" smtClean="0"/>
+          </a:p>
+          <a:p>
             <a:endParaRPr lang="en-US" dirty="0"/>
           </a:p>
         </p:txBody>
       </p:sp>
     </p:spTree>
+    <p:extLst>
+      <p:ext uri="{BB962C8B-B14F-4D97-AF65-F5344CB8AC3E}">
+        <p14:creationId xmlns:p14="http://schemas.microsoft.com/office/powerpoint/2010/main" val="1488794544"/>
+      </p:ext>
+    </p:extLst>
   </p:cSld>
   <p:clrMapOvr>
     <a:masterClrMapping/>

--- a/doc/Design.pptx
+++ b/doc/Design.pptx
@@ -5,7 +5,7 @@
     <p:sldMasterId id="2147483648" r:id="rId1"/>
   </p:sldMasterIdLst>
   <p:notesMasterIdLst>
-    <p:notesMasterId r:id="rId11"/>
+    <p:notesMasterId r:id="rId13"/>
   </p:notesMasterIdLst>
   <p:sldIdLst>
     <p:sldId id="257" r:id="rId2"/>
@@ -15,8 +15,10 @@
     <p:sldId id="262" r:id="rId6"/>
     <p:sldId id="261" r:id="rId7"/>
     <p:sldId id="263" r:id="rId8"/>
-    <p:sldId id="268" r:id="rId9"/>
-    <p:sldId id="269" r:id="rId10"/>
+    <p:sldId id="271" r:id="rId9"/>
+    <p:sldId id="272" r:id="rId10"/>
+    <p:sldId id="269" r:id="rId11"/>
+    <p:sldId id="270" r:id="rId12"/>
   </p:sldIdLst>
   <p:sldSz cx="9144000" cy="6858000" type="screen4x3"/>
   <p:notesSz cx="6858000" cy="9144000"/>
@@ -201,7 +203,7 @@
             <a:fld id="{90EF70D0-ABC5-42FB-A680-563792D4BCC2}" type="datetimeFigureOut">
               <a:rPr lang="en-US" smtClean="0"/>
               <a:pPr/>
-              <a:t>4/29/15</a:t>
+              <a:t>4/29/2015</a:t>
             </a:fld>
             <a:endParaRPr lang="en-US"/>
           </a:p>
@@ -372,7 +374,7 @@
     </p:spTree>
     <p:extLst>
       <p:ext uri="{BB962C8B-B14F-4D97-AF65-F5344CB8AC3E}">
-        <p14:creationId xmlns:p14="http://schemas.microsoft.com/office/powerpoint/2010/main" val="927209169"/>
+        <p14:creationId xmlns="" xmlns:p14="http://schemas.microsoft.com/office/powerpoint/2010/main" val="927209169"/>
       </p:ext>
     </p:extLst>
   </p:cSld>
@@ -744,7 +746,7 @@
             <a:fld id="{1D8BD707-D9CF-40AE-B4C6-C98DA3205C09}" type="datetimeFigureOut">
               <a:rPr lang="en-US" smtClean="0"/>
               <a:pPr/>
-              <a:t>4/29/15</a:t>
+              <a:t>4/29/2015</a:t>
             </a:fld>
             <a:endParaRPr lang="en-US"/>
           </a:p>
@@ -911,7 +913,7 @@
             <a:fld id="{1D8BD707-D9CF-40AE-B4C6-C98DA3205C09}" type="datetimeFigureOut">
               <a:rPr lang="en-US" smtClean="0"/>
               <a:pPr/>
-              <a:t>4/29/15</a:t>
+              <a:t>4/29/2015</a:t>
             </a:fld>
             <a:endParaRPr lang="en-US"/>
           </a:p>
@@ -1088,7 +1090,7 @@
             <a:fld id="{1D8BD707-D9CF-40AE-B4C6-C98DA3205C09}" type="datetimeFigureOut">
               <a:rPr lang="en-US" smtClean="0"/>
               <a:pPr/>
-              <a:t>4/29/15</a:t>
+              <a:t>4/29/2015</a:t>
             </a:fld>
             <a:endParaRPr lang="en-US"/>
           </a:p>
@@ -1255,7 +1257,7 @@
             <a:fld id="{1D8BD707-D9CF-40AE-B4C6-C98DA3205C09}" type="datetimeFigureOut">
               <a:rPr lang="en-US" smtClean="0"/>
               <a:pPr/>
-              <a:t>4/29/15</a:t>
+              <a:t>4/29/2015</a:t>
             </a:fld>
             <a:endParaRPr lang="en-US"/>
           </a:p>
@@ -1498,7 +1500,7 @@
             <a:fld id="{1D8BD707-D9CF-40AE-B4C6-C98DA3205C09}" type="datetimeFigureOut">
               <a:rPr lang="en-US" smtClean="0"/>
               <a:pPr/>
-              <a:t>4/29/15</a:t>
+              <a:t>4/29/2015</a:t>
             </a:fld>
             <a:endParaRPr lang="en-US"/>
           </a:p>
@@ -1783,7 +1785,7 @@
             <a:fld id="{1D8BD707-D9CF-40AE-B4C6-C98DA3205C09}" type="datetimeFigureOut">
               <a:rPr lang="en-US" smtClean="0"/>
               <a:pPr/>
-              <a:t>4/29/15</a:t>
+              <a:t>4/29/2015</a:t>
             </a:fld>
             <a:endParaRPr lang="en-US"/>
           </a:p>
@@ -2202,7 +2204,7 @@
             <a:fld id="{1D8BD707-D9CF-40AE-B4C6-C98DA3205C09}" type="datetimeFigureOut">
               <a:rPr lang="en-US" smtClean="0"/>
               <a:pPr/>
-              <a:t>4/29/15</a:t>
+              <a:t>4/29/2015</a:t>
             </a:fld>
             <a:endParaRPr lang="en-US"/>
           </a:p>
@@ -2317,7 +2319,7 @@
             <a:fld id="{1D8BD707-D9CF-40AE-B4C6-C98DA3205C09}" type="datetimeFigureOut">
               <a:rPr lang="en-US" smtClean="0"/>
               <a:pPr/>
-              <a:t>4/29/15</a:t>
+              <a:t>4/29/2015</a:t>
             </a:fld>
             <a:endParaRPr lang="en-US"/>
           </a:p>
@@ -2409,7 +2411,7 @@
             <a:fld id="{1D8BD707-D9CF-40AE-B4C6-C98DA3205C09}" type="datetimeFigureOut">
               <a:rPr lang="en-US" smtClean="0"/>
               <a:pPr/>
-              <a:t>4/29/15</a:t>
+              <a:t>4/29/2015</a:t>
             </a:fld>
             <a:endParaRPr lang="en-US"/>
           </a:p>
@@ -2683,7 +2685,7 @@
             <a:fld id="{1D8BD707-D9CF-40AE-B4C6-C98DA3205C09}" type="datetimeFigureOut">
               <a:rPr lang="en-US" smtClean="0"/>
               <a:pPr/>
-              <a:t>4/29/15</a:t>
+              <a:t>4/29/2015</a:t>
             </a:fld>
             <a:endParaRPr lang="en-US"/>
           </a:p>
@@ -2933,7 +2935,7 @@
             <a:fld id="{1D8BD707-D9CF-40AE-B4C6-C98DA3205C09}" type="datetimeFigureOut">
               <a:rPr lang="en-US" smtClean="0"/>
               <a:pPr/>
-              <a:t>4/29/15</a:t>
+              <a:t>4/29/2015</a:t>
             </a:fld>
             <a:endParaRPr lang="en-US"/>
           </a:p>
@@ -3143,7 +3145,7 @@
             <a:fld id="{1D8BD707-D9CF-40AE-B4C6-C98DA3205C09}" type="datetimeFigureOut">
               <a:rPr lang="en-US" smtClean="0"/>
               <a:pPr/>
-              <a:t>4/29/15</a:t>
+              <a:t>4/29/2015</a:t>
             </a:fld>
             <a:endParaRPr lang="en-US"/>
           </a:p>
@@ -3699,6 +3701,215 @@
 </p:sld>
 </file>
 
+<file path=ppt/slides/slide10.xml><?xml version="1.0" encoding="utf-8"?>
+<p:sld xmlns:a="http://schemas.openxmlformats.org/drawingml/2006/main" xmlns:r="http://schemas.openxmlformats.org/officeDocument/2006/relationships" xmlns:p="http://schemas.openxmlformats.org/presentationml/2006/main">
+  <p:cSld>
+    <p:spTree>
+      <p:nvGrpSpPr>
+        <p:cNvPr id="1" name=""/>
+        <p:cNvGrpSpPr/>
+        <p:nvPr/>
+      </p:nvGrpSpPr>
+      <p:grpSpPr>
+        <a:xfrm>
+          <a:off x="0" y="0"/>
+          <a:ext cx="0" cy="0"/>
+          <a:chOff x="0" y="0"/>
+          <a:chExt cx="0" cy="0"/>
+        </a:xfrm>
+      </p:grpSpPr>
+      <p:sp>
+        <p:nvSpPr>
+          <p:cNvPr id="2" name="Title 1"/>
+          <p:cNvSpPr>
+            <a:spLocks noGrp="1"/>
+          </p:cNvSpPr>
+          <p:nvPr>
+            <p:ph type="title"/>
+          </p:nvPr>
+        </p:nvSpPr>
+        <p:spPr/>
+        <p:txBody>
+          <a:bodyPr/>
+          <a:lstStyle/>
+          <a:p>
+            <a:r>
+              <a:rPr lang="en-US" dirty="0" smtClean="0"/>
+              <a:t>Runtime - Features</a:t>
+            </a:r>
+            <a:endParaRPr lang="en-US" dirty="0"/>
+          </a:p>
+        </p:txBody>
+      </p:sp>
+      <p:sp>
+        <p:nvSpPr>
+          <p:cNvPr id="3" name="Content Placeholder 2"/>
+          <p:cNvSpPr>
+            <a:spLocks noGrp="1"/>
+          </p:cNvSpPr>
+          <p:nvPr>
+            <p:ph idx="1"/>
+          </p:nvPr>
+        </p:nvSpPr>
+        <p:spPr/>
+        <p:txBody>
+          <a:bodyPr>
+            <a:normAutofit fontScale="92500" lnSpcReduction="10000"/>
+          </a:bodyPr>
+          <a:lstStyle/>
+          <a:p>
+            <a:r>
+              <a:rPr lang="en-US" dirty="0" smtClean="0"/>
+              <a:t>RAMM’s Runtime is completely based on JAVA.</a:t>
+            </a:r>
+          </a:p>
+          <a:p>
+            <a:endParaRPr lang="en-US" dirty="0" smtClean="0"/>
+          </a:p>
+          <a:p>
+            <a:r>
+              <a:rPr lang="en-US" dirty="0" smtClean="0"/>
+              <a:t>It is dynamically typed.</a:t>
+            </a:r>
+          </a:p>
+          <a:p>
+            <a:endParaRPr lang="en-US" dirty="0" smtClean="0"/>
+          </a:p>
+          <a:p>
+            <a:r>
+              <a:rPr lang="en-US" dirty="0" smtClean="0"/>
+              <a:t>It internally uses stacks, linked lists and </a:t>
+            </a:r>
+            <a:r>
+              <a:rPr lang="en-US" dirty="0" err="1" smtClean="0"/>
+              <a:t>hashmaps</a:t>
+            </a:r>
+            <a:endParaRPr lang="en-US" dirty="0" smtClean="0"/>
+          </a:p>
+          <a:p>
+            <a:endParaRPr lang="en-US" dirty="0" smtClean="0"/>
+          </a:p>
+          <a:p>
+            <a:r>
+              <a:rPr lang="en-US" dirty="0" smtClean="0"/>
+              <a:t>The intermediate code is in prefix notation and the runtime is designed accordingly to process prefix expressions</a:t>
+            </a:r>
+          </a:p>
+          <a:p>
+            <a:endParaRPr lang="en-US" dirty="0" smtClean="0"/>
+          </a:p>
+          <a:p>
+            <a:endParaRPr lang="en-US" dirty="0" smtClean="0"/>
+          </a:p>
+          <a:p>
+            <a:endParaRPr lang="en-US" dirty="0" smtClean="0"/>
+          </a:p>
+          <a:p>
+            <a:endParaRPr lang="en-US" dirty="0"/>
+          </a:p>
+        </p:txBody>
+      </p:sp>
+    </p:spTree>
+    <p:extLst>
+      <p:ext uri="{BB962C8B-B14F-4D97-AF65-F5344CB8AC3E}">
+        <p14:creationId xmlns="" xmlns:p14="http://schemas.microsoft.com/office/powerpoint/2010/main" val="1488794544"/>
+      </p:ext>
+    </p:extLst>
+  </p:cSld>
+  <p:clrMapOvr>
+    <a:masterClrMapping/>
+  </p:clrMapOvr>
+</p:sld>
+</file>
+
+<file path=ppt/slides/slide11.xml><?xml version="1.0" encoding="utf-8"?>
+<p:sld xmlns:a="http://schemas.openxmlformats.org/drawingml/2006/main" xmlns:r="http://schemas.openxmlformats.org/officeDocument/2006/relationships" xmlns:p="http://schemas.openxmlformats.org/presentationml/2006/main">
+  <p:cSld>
+    <p:spTree>
+      <p:nvGrpSpPr>
+        <p:cNvPr id="1" name=""/>
+        <p:cNvGrpSpPr/>
+        <p:nvPr/>
+      </p:nvGrpSpPr>
+      <p:grpSpPr>
+        <a:xfrm>
+          <a:off x="0" y="0"/>
+          <a:ext cx="0" cy="0"/>
+          <a:chOff x="0" y="0"/>
+          <a:chExt cx="0" cy="0"/>
+        </a:xfrm>
+      </p:grpSpPr>
+      <p:sp>
+        <p:nvSpPr>
+          <p:cNvPr id="2" name="Title 1"/>
+          <p:cNvSpPr>
+            <a:spLocks noGrp="1"/>
+          </p:cNvSpPr>
+          <p:nvPr>
+            <p:ph type="title"/>
+          </p:nvPr>
+        </p:nvSpPr>
+        <p:spPr/>
+        <p:txBody>
+          <a:bodyPr/>
+          <a:lstStyle/>
+          <a:p>
+            <a:r>
+              <a:rPr lang="en-US" dirty="0"/>
+              <a:t>Runtime - Features</a:t>
+            </a:r>
+          </a:p>
+        </p:txBody>
+      </p:sp>
+      <p:sp>
+        <p:nvSpPr>
+          <p:cNvPr id="3" name="Content Placeholder 2"/>
+          <p:cNvSpPr>
+            <a:spLocks noGrp="1"/>
+          </p:cNvSpPr>
+          <p:nvPr>
+            <p:ph idx="1"/>
+          </p:nvPr>
+        </p:nvSpPr>
+        <p:spPr/>
+        <p:txBody>
+          <a:bodyPr>
+            <a:normAutofit fontScale="92500" lnSpcReduction="10000"/>
+          </a:bodyPr>
+          <a:lstStyle/>
+          <a:p>
+            <a:r>
+              <a:rPr lang="en-US" dirty="0" smtClean="0"/>
+              <a:t>A symbol table is a data structure used by a compiler where each identifier in a program's source code is associated with information relating to its declaration or appearance in the source, such as its type, scope level and sometimes its location.</a:t>
+            </a:r>
+          </a:p>
+          <a:p>
+            <a:r>
+              <a:rPr lang="en-US" dirty="0"/>
+              <a:t>During execution, every function call is recorded and maintained on a stack</a:t>
+            </a:r>
+            <a:r>
+              <a:rPr lang="en-US" dirty="0" smtClean="0"/>
+              <a:t>.</a:t>
+            </a:r>
+          </a:p>
+          <a:p>
+            <a:r>
+              <a:rPr lang="en-US" dirty="0" smtClean="0"/>
+              <a:t>In RAMM, the symbol table is implemented as a linked list of hash maps.</a:t>
+            </a:r>
+            <a:endParaRPr lang="en-US" dirty="0"/>
+          </a:p>
+        </p:txBody>
+      </p:sp>
+    </p:spTree>
+  </p:cSld>
+  <p:clrMapOvr>
+    <a:masterClrMapping/>
+  </p:clrMapOvr>
+</p:sld>
+</file>
+
 <file path=ppt/slides/slide2.xml><?xml version="1.0" encoding="utf-8"?>
 <p:sld xmlns:a="http://schemas.openxmlformats.org/drawingml/2006/main" xmlns:r="http://schemas.openxmlformats.org/officeDocument/2006/relationships" xmlns:p="http://schemas.openxmlformats.org/presentationml/2006/main">
   <p:cSld>
@@ -4469,23 +4680,64 @@
             <p:ph idx="1"/>
           </p:nvPr>
         </p:nvSpPr>
-        <p:spPr/>
+        <p:spPr>
+          <a:xfrm>
+            <a:off x="0" y="1600200"/>
+            <a:ext cx="9144000" cy="5257800"/>
+          </a:xfrm>
+        </p:spPr>
         <p:txBody>
           <a:bodyPr>
-            <a:normAutofit/>
+            <a:normAutofit fontScale="92500" lnSpcReduction="10000"/>
           </a:bodyPr>
           <a:lstStyle/>
           <a:p>
+            <a:r>
+              <a:rPr lang="en-US" dirty="0" smtClean="0"/>
+              <a:t>Our Intermediate code implements prefix notation.</a:t>
+            </a:r>
+          </a:p>
+          <a:p>
             <a:endParaRPr lang="en-US" dirty="0" smtClean="0"/>
           </a:p>
           <a:p>
+            <a:r>
+              <a:rPr lang="en-US" dirty="0" smtClean="0"/>
+              <a:t>For example, if we take our code a = 5, the intermediate code would look like:</a:t>
+            </a:r>
+          </a:p>
+          <a:p>
+            <a:pPr>
+              <a:buNone/>
+            </a:pPr>
+            <a:r>
+              <a:rPr lang="en-US" dirty="0" smtClean="0"/>
+              <a:t>	SET A 5</a:t>
+            </a:r>
+          </a:p>
+          <a:p>
             <a:endParaRPr lang="en-US" dirty="0" smtClean="0"/>
           </a:p>
           <a:p>
+            <a:r>
+              <a:rPr lang="en-US" dirty="0" smtClean="0"/>
+              <a:t>We have also used our own notations for comparisons and looping constructs.</a:t>
+            </a:r>
+          </a:p>
+          <a:p>
+            <a:pPr>
+              <a:buNone/>
+            </a:pPr>
             <a:endParaRPr lang="en-US" dirty="0" smtClean="0"/>
           </a:p>
           <a:p>
-            <a:endParaRPr lang="en-US" dirty="0"/>
+            <a:pPr>
+              <a:buNone/>
+            </a:pPr>
+            <a:r>
+              <a:rPr lang="en-US" dirty="0" smtClean="0"/>
+              <a:t>	Here’s a concise representation of some of  most used notations:</a:t>
+            </a:r>
           </a:p>
         </p:txBody>
       </p:sp>
@@ -4531,86 +4783,360 @@
           <a:p>
             <a:r>
               <a:rPr lang="en-US" dirty="0" smtClean="0"/>
-              <a:t>Runtime - Features</a:t>
+              <a:t>Intermediate Code</a:t>
             </a:r>
             <a:endParaRPr lang="en-US" dirty="0"/>
           </a:p>
         </p:txBody>
       </p:sp>
-      <p:sp>
-        <p:nvSpPr>
-          <p:cNvPr id="3" name="Content Placeholder 2"/>
-          <p:cNvSpPr>
-            <a:spLocks noGrp="1"/>
-          </p:cNvSpPr>
+      <p:graphicFrame>
+        <p:nvGraphicFramePr>
+          <p:cNvPr id="4" name="Content Placeholder 3"/>
+          <p:cNvGraphicFramePr>
+            <a:graphicFrameLocks noGrp="1"/>
+          </p:cNvGraphicFramePr>
           <p:nvPr>
             <p:ph idx="1"/>
           </p:nvPr>
-        </p:nvSpPr>
-        <p:spPr/>
-        <p:txBody>
-          <a:bodyPr>
-            <a:normAutofit fontScale="92500" lnSpcReduction="10000"/>
-          </a:bodyPr>
-          <a:lstStyle/>
-          <a:p>
-            <a:r>
-              <a:rPr lang="en-US" dirty="0" smtClean="0"/>
-              <a:t>RAMM’s Runtime is completely based on JAVA.</a:t>
-            </a:r>
-          </a:p>
-          <a:p>
-            <a:endParaRPr lang="en-US" dirty="0" smtClean="0"/>
-          </a:p>
-          <a:p>
-            <a:r>
-              <a:rPr lang="en-US" dirty="0" smtClean="0"/>
-              <a:t>It is dynamically typed.</a:t>
-            </a:r>
-          </a:p>
-          <a:p>
-            <a:endParaRPr lang="en-US" dirty="0" smtClean="0"/>
-          </a:p>
-          <a:p>
-            <a:r>
-              <a:rPr lang="en-US" dirty="0" smtClean="0"/>
-              <a:t>It internally uses stacks, linked lists and </a:t>
-            </a:r>
-            <a:r>
-              <a:rPr lang="en-US" dirty="0" err="1" smtClean="0"/>
-              <a:t>hashmaps</a:t>
-            </a:r>
-            <a:endParaRPr lang="en-US" dirty="0" smtClean="0"/>
-          </a:p>
-          <a:p>
-            <a:endParaRPr lang="en-US" dirty="0" smtClean="0"/>
-          </a:p>
-          <a:p>
-            <a:r>
-              <a:rPr lang="en-US" dirty="0" smtClean="0"/>
-              <a:t>The intermediate code is in prefix notation and the runtime is designed accordingly to process prefix expressions</a:t>
-            </a:r>
-          </a:p>
-          <a:p>
-            <a:endParaRPr lang="en-US" dirty="0" smtClean="0"/>
-          </a:p>
-          <a:p>
-            <a:endParaRPr lang="en-US" dirty="0" smtClean="0"/>
-          </a:p>
-          <a:p>
-            <a:endParaRPr lang="en-US" dirty="0" smtClean="0"/>
-          </a:p>
-          <a:p>
-            <a:endParaRPr lang="en-US" dirty="0"/>
-          </a:p>
-        </p:txBody>
-      </p:sp>
+        </p:nvGraphicFramePr>
+        <p:xfrm>
+          <a:off x="457200" y="1371600"/>
+          <a:ext cx="8305800" cy="5048250"/>
+        </p:xfrm>
+        <a:graphic>
+          <a:graphicData uri="http://schemas.openxmlformats.org/drawingml/2006/table">
+            <a:tbl>
+              <a:tblPr firstRow="1" bandRow="1">
+                <a:tableStyleId>{5C22544A-7EE6-4342-B048-85BDC9FD1C3A}</a:tableStyleId>
+              </a:tblPr>
+              <a:tblGrid>
+                <a:gridCol w="4152900"/>
+                <a:gridCol w="4152900"/>
+              </a:tblGrid>
+              <a:tr h="504825">
+                <a:tc>
+                  <a:txBody>
+                    <a:bodyPr/>
+                    <a:lstStyle/>
+                    <a:p>
+                      <a:pPr algn="ctr"/>
+                      <a:r>
+                        <a:rPr lang="en-US" dirty="0" smtClean="0"/>
+                        <a:t>Action</a:t>
+                      </a:r>
+                      <a:endParaRPr lang="en-US" dirty="0"/>
+                    </a:p>
+                  </a:txBody>
+                  <a:tcPr/>
+                </a:tc>
+                <a:tc>
+                  <a:txBody>
+                    <a:bodyPr/>
+                    <a:lstStyle/>
+                    <a:p>
+                      <a:pPr algn="ctr"/>
+                      <a:r>
+                        <a:rPr lang="en-US" dirty="0" smtClean="0"/>
+                        <a:t>Notation</a:t>
+                      </a:r>
+                      <a:endParaRPr lang="en-US" dirty="0"/>
+                    </a:p>
+                  </a:txBody>
+                  <a:tcPr/>
+                </a:tc>
+              </a:tr>
+              <a:tr h="504825">
+                <a:tc>
+                  <a:txBody>
+                    <a:bodyPr/>
+                    <a:lstStyle/>
+                    <a:p>
+                      <a:pPr algn="ctr"/>
+                      <a:r>
+                        <a:rPr lang="en-US" dirty="0" smtClean="0"/>
+                        <a:t>&gt;</a:t>
+                      </a:r>
+                      <a:endParaRPr lang="en-US" dirty="0"/>
+                    </a:p>
+                  </a:txBody>
+                  <a:tcPr/>
+                </a:tc>
+                <a:tc>
+                  <a:txBody>
+                    <a:bodyPr/>
+                    <a:lstStyle/>
+                    <a:p>
+                      <a:pPr algn="ctr"/>
+                      <a:r>
+                        <a:rPr lang="en-US" dirty="0" smtClean="0"/>
+                        <a:t>GT</a:t>
+                      </a:r>
+                      <a:endParaRPr lang="en-US" dirty="0"/>
+                    </a:p>
+                  </a:txBody>
+                  <a:tcPr/>
+                </a:tc>
+              </a:tr>
+              <a:tr h="504825">
+                <a:tc>
+                  <a:txBody>
+                    <a:bodyPr/>
+                    <a:lstStyle/>
+                    <a:p>
+                      <a:pPr algn="ctr"/>
+                      <a:r>
+                        <a:rPr lang="en-US" dirty="0" smtClean="0"/>
+                        <a:t>&lt;</a:t>
+                      </a:r>
+                      <a:endParaRPr lang="en-US" dirty="0"/>
+                    </a:p>
+                  </a:txBody>
+                  <a:tcPr/>
+                </a:tc>
+                <a:tc>
+                  <a:txBody>
+                    <a:bodyPr/>
+                    <a:lstStyle/>
+                    <a:p>
+                      <a:pPr algn="ctr"/>
+                      <a:r>
+                        <a:rPr lang="en-US" dirty="0" smtClean="0"/>
+                        <a:t>LT</a:t>
+                      </a:r>
+                      <a:endParaRPr lang="en-US" dirty="0"/>
+                    </a:p>
+                  </a:txBody>
+                  <a:tcPr/>
+                </a:tc>
+              </a:tr>
+              <a:tr h="504825">
+                <a:tc>
+                  <a:txBody>
+                    <a:bodyPr/>
+                    <a:lstStyle/>
+                    <a:p>
+                      <a:pPr algn="ctr"/>
+                      <a:r>
+                        <a:rPr lang="en-US" dirty="0" smtClean="0"/>
+                        <a:t>&gt;=</a:t>
+                      </a:r>
+                      <a:endParaRPr lang="en-US" dirty="0"/>
+                    </a:p>
+                  </a:txBody>
+                  <a:tcPr/>
+                </a:tc>
+                <a:tc>
+                  <a:txBody>
+                    <a:bodyPr/>
+                    <a:lstStyle/>
+                    <a:p>
+                      <a:pPr algn="ctr"/>
+                      <a:r>
+                        <a:rPr lang="en-US" dirty="0" smtClean="0"/>
+                        <a:t>GE</a:t>
+                      </a:r>
+                    </a:p>
+                  </a:txBody>
+                  <a:tcPr/>
+                </a:tc>
+              </a:tr>
+              <a:tr h="504825">
+                <a:tc>
+                  <a:txBody>
+                    <a:bodyPr/>
+                    <a:lstStyle/>
+                    <a:p>
+                      <a:pPr algn="ctr"/>
+                      <a:r>
+                        <a:rPr lang="en-US" dirty="0" smtClean="0"/>
+                        <a:t>&lt;=</a:t>
+                      </a:r>
+                      <a:endParaRPr lang="en-US" dirty="0"/>
+                    </a:p>
+                  </a:txBody>
+                  <a:tcPr/>
+                </a:tc>
+                <a:tc>
+                  <a:txBody>
+                    <a:bodyPr/>
+                    <a:lstStyle/>
+                    <a:p>
+                      <a:pPr algn="ctr"/>
+                      <a:r>
+                        <a:rPr lang="en-US" dirty="0" smtClean="0"/>
+                        <a:t>LE</a:t>
+                      </a:r>
+                      <a:endParaRPr lang="en-US" dirty="0"/>
+                    </a:p>
+                  </a:txBody>
+                  <a:tcPr/>
+                </a:tc>
+              </a:tr>
+              <a:tr h="504825">
+                <a:tc>
+                  <a:txBody>
+                    <a:bodyPr/>
+                    <a:lstStyle/>
+                    <a:p>
+                      <a:pPr algn="ctr"/>
+                      <a:r>
+                        <a:rPr lang="en-US" dirty="0" smtClean="0"/>
+                        <a:t>==</a:t>
+                      </a:r>
+                      <a:endParaRPr lang="en-US" dirty="0"/>
+                    </a:p>
+                  </a:txBody>
+                  <a:tcPr/>
+                </a:tc>
+                <a:tc>
+                  <a:txBody>
+                    <a:bodyPr/>
+                    <a:lstStyle/>
+                    <a:p>
+                      <a:pPr algn="ctr"/>
+                      <a:r>
+                        <a:rPr lang="en-US" dirty="0" smtClean="0"/>
+                        <a:t>E</a:t>
+                      </a:r>
+                      <a:endParaRPr lang="en-US" dirty="0"/>
+                    </a:p>
+                  </a:txBody>
+                  <a:tcPr/>
+                </a:tc>
+              </a:tr>
+              <a:tr h="504825">
+                <a:tc>
+                  <a:txBody>
+                    <a:bodyPr/>
+                    <a:lstStyle/>
+                    <a:p>
+                      <a:pPr algn="ctr"/>
+                      <a:r>
+                        <a:rPr lang="en-US" dirty="0" smtClean="0"/>
+                        <a:t>!=</a:t>
+                      </a:r>
+                      <a:endParaRPr lang="en-US" dirty="0"/>
+                    </a:p>
+                  </a:txBody>
+                  <a:tcPr/>
+                </a:tc>
+                <a:tc>
+                  <a:txBody>
+                    <a:bodyPr/>
+                    <a:lstStyle/>
+                    <a:p>
+                      <a:pPr algn="ctr"/>
+                      <a:r>
+                        <a:rPr lang="en-US" dirty="0" smtClean="0"/>
+                        <a:t>NE</a:t>
+                      </a:r>
+                      <a:endParaRPr lang="en-US" dirty="0"/>
+                    </a:p>
+                  </a:txBody>
+                  <a:tcPr/>
+                </a:tc>
+              </a:tr>
+              <a:tr h="504825">
+                <a:tc>
+                  <a:txBody>
+                    <a:bodyPr/>
+                    <a:lstStyle/>
+                    <a:p>
+                      <a:pPr algn="ctr"/>
+                      <a:r>
+                        <a:rPr lang="en-US" dirty="0" smtClean="0"/>
+                        <a:t>if()</a:t>
+                      </a:r>
+                      <a:endParaRPr lang="en-US" dirty="0"/>
+                    </a:p>
+                  </a:txBody>
+                  <a:tcPr/>
+                </a:tc>
+                <a:tc>
+                  <a:txBody>
+                    <a:bodyPr/>
+                    <a:lstStyle/>
+                    <a:p>
+                      <a:pPr algn="ctr"/>
+                      <a:r>
+                        <a:rPr lang="en-US" dirty="0" smtClean="0"/>
+                        <a:t>CHECK</a:t>
+                      </a:r>
+                      <a:endParaRPr lang="en-US" dirty="0"/>
+                    </a:p>
+                  </a:txBody>
+                  <a:tcPr/>
+                </a:tc>
+              </a:tr>
+              <a:tr h="504825">
+                <a:tc>
+                  <a:txBody>
+                    <a:bodyPr/>
+                    <a:lstStyle/>
+                    <a:p>
+                      <a:pPr algn="ctr"/>
+                      <a:r>
+                        <a:rPr lang="en-US" dirty="0" smtClean="0"/>
+                        <a:t>While()</a:t>
+                      </a:r>
+                      <a:endParaRPr lang="en-US" dirty="0"/>
+                    </a:p>
+                  </a:txBody>
+                  <a:tcPr/>
+                </a:tc>
+                <a:tc>
+                  <a:txBody>
+                    <a:bodyPr/>
+                    <a:lstStyle/>
+                    <a:p>
+                      <a:pPr algn="ctr"/>
+                      <a:r>
+                        <a:rPr lang="en-US" dirty="0" smtClean="0"/>
+                        <a:t>LOOP</a:t>
+                      </a:r>
+                      <a:endParaRPr lang="en-US" dirty="0"/>
+                    </a:p>
+                  </a:txBody>
+                  <a:tcPr/>
+                </a:tc>
+              </a:tr>
+              <a:tr h="504825">
+                <a:tc>
+                  <a:txBody>
+                    <a:bodyPr/>
+                    <a:lstStyle/>
+                    <a:p>
+                      <a:pPr algn="ctr"/>
+                      <a:r>
+                        <a:rPr lang="en-US" dirty="0" smtClean="0"/>
+                        <a:t>Function call</a:t>
+                      </a:r>
+                      <a:endParaRPr lang="en-US" dirty="0"/>
+                    </a:p>
+                  </a:txBody>
+                  <a:tcPr/>
+                </a:tc>
+                <a:tc>
+                  <a:txBody>
+                    <a:bodyPr/>
+                    <a:lstStyle/>
+                    <a:p>
+                      <a:pPr algn="ctr"/>
+                      <a:r>
+                        <a:rPr lang="en-US" dirty="0" smtClean="0"/>
+                        <a:t>LOAD</a:t>
+                      </a:r>
+                      <a:endParaRPr lang="en-US" dirty="0"/>
+                    </a:p>
+                  </a:txBody>
+                  <a:tcPr/>
+                </a:tc>
+              </a:tr>
+            </a:tbl>
+          </a:graphicData>
+        </a:graphic>
+      </p:graphicFrame>
     </p:spTree>
-    <p:extLst>
-      <p:ext uri="{BB962C8B-B14F-4D97-AF65-F5344CB8AC3E}">
-        <p14:creationId xmlns:p14="http://schemas.microsoft.com/office/powerpoint/2010/main" val="1488794544"/>
-      </p:ext>
-    </p:extLst>
   </p:cSld>
   <p:clrMapOvr>
     <a:masterClrMapping/>
